--- a/talks/crypto.pptx
+++ b/talks/crypto.pptx
@@ -335,7 +335,7 @@
           <a:p>
             <a:fld id="{72D977D9-6BC0-8348-8A91-9DB657880F1D}" type="datetimeFigureOut">
               <a:rPr lang="en-US" smtClean="0"/>
-              <a:t>7/26/18</a:t>
+              <a:t>7/30/18</a:t>
             </a:fld>
             <a:endParaRPr lang="en-US"/>
           </a:p>
@@ -500,7 +500,7 @@
           <a:p>
             <a:fld id="{72D977D9-6BC0-8348-8A91-9DB657880F1D}" type="datetimeFigureOut">
               <a:rPr lang="en-US" smtClean="0"/>
-              <a:t>7/26/18</a:t>
+              <a:t>7/30/18</a:t>
             </a:fld>
             <a:endParaRPr lang="en-US"/>
           </a:p>
@@ -675,7 +675,7 @@
           <a:p>
             <a:fld id="{72D977D9-6BC0-8348-8A91-9DB657880F1D}" type="datetimeFigureOut">
               <a:rPr lang="en-US" smtClean="0"/>
-              <a:t>7/26/18</a:t>
+              <a:t>7/30/18</a:t>
             </a:fld>
             <a:endParaRPr lang="en-US"/>
           </a:p>
@@ -912,7 +912,7 @@
           <a:p>
             <a:fld id="{72D977D9-6BC0-8348-8A91-9DB657880F1D}" type="datetimeFigureOut">
               <a:rPr lang="en-US" smtClean="0"/>
-              <a:t>7/26/18</a:t>
+              <a:t>7/30/18</a:t>
             </a:fld>
             <a:endParaRPr lang="en-US"/>
           </a:p>
@@ -1082,7 +1082,7 @@
           <a:p>
             <a:fld id="{72D977D9-6BC0-8348-8A91-9DB657880F1D}" type="datetimeFigureOut">
               <a:rPr lang="en-US" smtClean="0"/>
-              <a:t>7/26/18</a:t>
+              <a:t>7/30/18</a:t>
             </a:fld>
             <a:endParaRPr lang="en-US"/>
           </a:p>
@@ -1328,7 +1328,7 @@
           <a:p>
             <a:fld id="{72D977D9-6BC0-8348-8A91-9DB657880F1D}" type="datetimeFigureOut">
               <a:rPr lang="en-US" smtClean="0"/>
-              <a:t>7/26/18</a:t>
+              <a:t>7/30/18</a:t>
             </a:fld>
             <a:endParaRPr lang="en-US"/>
           </a:p>
@@ -1616,7 +1616,7 @@
           <a:p>
             <a:fld id="{72D977D9-6BC0-8348-8A91-9DB657880F1D}" type="datetimeFigureOut">
               <a:rPr lang="en-US" smtClean="0"/>
-              <a:t>7/26/18</a:t>
+              <a:t>7/30/18</a:t>
             </a:fld>
             <a:endParaRPr lang="en-US"/>
           </a:p>
@@ -2038,7 +2038,7 @@
           <a:p>
             <a:fld id="{72D977D9-6BC0-8348-8A91-9DB657880F1D}" type="datetimeFigureOut">
               <a:rPr lang="en-US" smtClean="0"/>
-              <a:t>7/26/18</a:t>
+              <a:t>7/30/18</a:t>
             </a:fld>
             <a:endParaRPr lang="en-US"/>
           </a:p>
@@ -2156,7 +2156,7 @@
           <a:p>
             <a:fld id="{72D977D9-6BC0-8348-8A91-9DB657880F1D}" type="datetimeFigureOut">
               <a:rPr lang="en-US" smtClean="0"/>
-              <a:t>7/26/18</a:t>
+              <a:t>7/30/18</a:t>
             </a:fld>
             <a:endParaRPr lang="en-US"/>
           </a:p>
@@ -2251,7 +2251,7 @@
           <a:p>
             <a:fld id="{72D977D9-6BC0-8348-8A91-9DB657880F1D}" type="datetimeFigureOut">
               <a:rPr lang="en-US" smtClean="0"/>
-              <a:t>7/26/18</a:t>
+              <a:t>7/30/18</a:t>
             </a:fld>
             <a:endParaRPr lang="en-US"/>
           </a:p>
@@ -2528,7 +2528,7 @@
           <a:p>
             <a:fld id="{72D977D9-6BC0-8348-8A91-9DB657880F1D}" type="datetimeFigureOut">
               <a:rPr lang="en-US" smtClean="0"/>
-              <a:t>7/26/18</a:t>
+              <a:t>7/30/18</a:t>
             </a:fld>
             <a:endParaRPr lang="en-US"/>
           </a:p>
@@ -2698,7 +2698,7 @@
           <a:p>
             <a:fld id="{72D977D9-6BC0-8348-8A91-9DB657880F1D}" type="datetimeFigureOut">
               <a:rPr lang="en-US" smtClean="0"/>
-              <a:t>7/26/18</a:t>
+              <a:t>7/30/18</a:t>
             </a:fld>
             <a:endParaRPr lang="en-US"/>
           </a:p>
@@ -2950,7 +2950,7 @@
           <a:p>
             <a:fld id="{72D977D9-6BC0-8348-8A91-9DB657880F1D}" type="datetimeFigureOut">
               <a:rPr lang="en-US" smtClean="0"/>
-              <a:t>7/26/18</a:t>
+              <a:t>7/30/18</a:t>
             </a:fld>
             <a:endParaRPr lang="en-US"/>
           </a:p>
@@ -3120,7 +3120,7 @@
           <a:p>
             <a:fld id="{72D977D9-6BC0-8348-8A91-9DB657880F1D}" type="datetimeFigureOut">
               <a:rPr lang="en-US" smtClean="0"/>
-              <a:t>7/26/18</a:t>
+              <a:t>7/30/18</a:t>
             </a:fld>
             <a:endParaRPr lang="en-US"/>
           </a:p>
@@ -3300,7 +3300,7 @@
           <a:p>
             <a:fld id="{72D977D9-6BC0-8348-8A91-9DB657880F1D}" type="datetimeFigureOut">
               <a:rPr lang="en-US" smtClean="0"/>
-              <a:t>7/26/18</a:t>
+              <a:t>7/30/18</a:t>
             </a:fld>
             <a:endParaRPr lang="en-US"/>
           </a:p>
@@ -3542,7 +3542,7 @@
           <a:p>
             <a:fld id="{72D977D9-6BC0-8348-8A91-9DB657880F1D}" type="datetimeFigureOut">
               <a:rPr lang="en-US" smtClean="0"/>
-              <a:t>7/26/18</a:t>
+              <a:t>7/30/18</a:t>
             </a:fld>
             <a:endParaRPr lang="en-US"/>
           </a:p>
@@ -3712,7 +3712,7 @@
           <a:p>
             <a:fld id="{72D977D9-6BC0-8348-8A91-9DB657880F1D}" type="datetimeFigureOut">
               <a:rPr lang="en-US" smtClean="0"/>
-              <a:t>7/26/18</a:t>
+              <a:t>7/30/18</a:t>
             </a:fld>
             <a:endParaRPr lang="en-US"/>
           </a:p>
@@ -3958,7 +3958,7 @@
           <a:p>
             <a:fld id="{72D977D9-6BC0-8348-8A91-9DB657880F1D}" type="datetimeFigureOut">
               <a:rPr lang="en-US" smtClean="0"/>
-              <a:t>7/26/18</a:t>
+              <a:t>7/30/18</a:t>
             </a:fld>
             <a:endParaRPr lang="en-US"/>
           </a:p>
@@ -4246,7 +4246,7 @@
           <a:p>
             <a:fld id="{72D977D9-6BC0-8348-8A91-9DB657880F1D}" type="datetimeFigureOut">
               <a:rPr lang="en-US" smtClean="0"/>
-              <a:t>7/26/18</a:t>
+              <a:t>7/30/18</a:t>
             </a:fld>
             <a:endParaRPr lang="en-US"/>
           </a:p>
@@ -4668,7 +4668,7 @@
           <a:p>
             <a:fld id="{72D977D9-6BC0-8348-8A91-9DB657880F1D}" type="datetimeFigureOut">
               <a:rPr lang="en-US" smtClean="0"/>
-              <a:t>7/26/18</a:t>
+              <a:t>7/30/18</a:t>
             </a:fld>
             <a:endParaRPr lang="en-US"/>
           </a:p>
@@ -4786,7 +4786,7 @@
           <a:p>
             <a:fld id="{72D977D9-6BC0-8348-8A91-9DB657880F1D}" type="datetimeFigureOut">
               <a:rPr lang="en-US" smtClean="0"/>
-              <a:t>7/26/18</a:t>
+              <a:t>7/30/18</a:t>
             </a:fld>
             <a:endParaRPr lang="en-US"/>
           </a:p>
@@ -4881,7 +4881,7 @@
           <a:p>
             <a:fld id="{72D977D9-6BC0-8348-8A91-9DB657880F1D}" type="datetimeFigureOut">
               <a:rPr lang="en-US" smtClean="0"/>
-              <a:t>7/26/18</a:t>
+              <a:t>7/30/18</a:t>
             </a:fld>
             <a:endParaRPr lang="en-US"/>
           </a:p>
@@ -5127,7 +5127,7 @@
           <a:p>
             <a:fld id="{72D977D9-6BC0-8348-8A91-9DB657880F1D}" type="datetimeFigureOut">
               <a:rPr lang="en-US" smtClean="0"/>
-              <a:t>7/26/18</a:t>
+              <a:t>7/30/18</a:t>
             </a:fld>
             <a:endParaRPr lang="en-US"/>
           </a:p>
@@ -5399,7 +5399,7 @@
           <a:p>
             <a:fld id="{72D977D9-6BC0-8348-8A91-9DB657880F1D}" type="datetimeFigureOut">
               <a:rPr lang="en-US" smtClean="0"/>
-              <a:t>7/26/18</a:t>
+              <a:t>7/30/18</a:t>
             </a:fld>
             <a:endParaRPr lang="en-US"/>
           </a:p>
@@ -5652,7 +5652,7 @@
           <a:p>
             <a:fld id="{72D977D9-6BC0-8348-8A91-9DB657880F1D}" type="datetimeFigureOut">
               <a:rPr lang="en-US" smtClean="0"/>
-              <a:t>7/26/18</a:t>
+              <a:t>7/30/18</a:t>
             </a:fld>
             <a:endParaRPr lang="en-US"/>
           </a:p>
@@ -5822,7 +5822,7 @@
           <a:p>
             <a:fld id="{72D977D9-6BC0-8348-8A91-9DB657880F1D}" type="datetimeFigureOut">
               <a:rPr lang="en-US" smtClean="0"/>
-              <a:t>7/26/18</a:t>
+              <a:t>7/30/18</a:t>
             </a:fld>
             <a:endParaRPr lang="en-US"/>
           </a:p>
@@ -6002,7 +6002,7 @@
           <a:p>
             <a:fld id="{72D977D9-6BC0-8348-8A91-9DB657880F1D}" type="datetimeFigureOut">
               <a:rPr lang="en-US" smtClean="0"/>
-              <a:t>7/26/18</a:t>
+              <a:t>7/30/18</a:t>
             </a:fld>
             <a:endParaRPr lang="en-US"/>
           </a:p>
@@ -6290,7 +6290,7 @@
           <a:p>
             <a:fld id="{72D977D9-6BC0-8348-8A91-9DB657880F1D}" type="datetimeFigureOut">
               <a:rPr lang="en-US" smtClean="0"/>
-              <a:t>7/26/18</a:t>
+              <a:t>7/30/18</a:t>
             </a:fld>
             <a:endParaRPr lang="en-US"/>
           </a:p>
@@ -6719,7 +6719,7 @@
           <a:p>
             <a:fld id="{72D977D9-6BC0-8348-8A91-9DB657880F1D}" type="datetimeFigureOut">
               <a:rPr lang="en-US" smtClean="0"/>
-              <a:t>7/26/18</a:t>
+              <a:t>7/30/18</a:t>
             </a:fld>
             <a:endParaRPr lang="en-US"/>
           </a:p>
@@ -6832,7 +6832,7 @@
           <a:p>
             <a:fld id="{72D977D9-6BC0-8348-8A91-9DB657880F1D}" type="datetimeFigureOut">
               <a:rPr lang="en-US" smtClean="0"/>
-              <a:t>7/26/18</a:t>
+              <a:t>7/30/18</a:t>
             </a:fld>
             <a:endParaRPr lang="en-US"/>
           </a:p>
@@ -6922,7 +6922,7 @@
           <a:p>
             <a:fld id="{72D977D9-6BC0-8348-8A91-9DB657880F1D}" type="datetimeFigureOut">
               <a:rPr lang="en-US" smtClean="0"/>
-              <a:t>7/26/18</a:t>
+              <a:t>7/30/18</a:t>
             </a:fld>
             <a:endParaRPr lang="en-US"/>
           </a:p>
@@ -7111,7 +7111,7 @@
           <a:p>
             <a:fld id="{72D977D9-6BC0-8348-8A91-9DB657880F1D}" type="datetimeFigureOut">
               <a:rPr lang="en-US" smtClean="0"/>
-              <a:t>7/26/18</a:t>
+              <a:t>7/30/18</a:t>
             </a:fld>
             <a:endParaRPr lang="en-US"/>
           </a:p>
@@ -7429,7 +7429,7 @@
           <a:p>
             <a:fld id="{72D977D9-6BC0-8348-8A91-9DB657880F1D}" type="datetimeFigureOut">
               <a:rPr lang="en-US" smtClean="0"/>
-              <a:t>7/26/18</a:t>
+              <a:t>7/30/18</a:t>
             </a:fld>
             <a:endParaRPr lang="en-US"/>
           </a:p>
@@ -7808,7 +7808,7 @@
           <a:p>
             <a:fld id="{72D977D9-6BC0-8348-8A91-9DB657880F1D}" type="datetimeFigureOut">
               <a:rPr lang="en-US" smtClean="0"/>
-              <a:t>7/26/18</a:t>
+              <a:t>7/30/18</a:t>
             </a:fld>
             <a:endParaRPr lang="en-US"/>
           </a:p>
@@ -8266,7 +8266,7 @@
           <a:p>
             <a:fld id="{72D977D9-6BC0-8348-8A91-9DB657880F1D}" type="datetimeFigureOut">
               <a:rPr lang="en-US" smtClean="0"/>
-              <a:t>7/26/18</a:t>
+              <a:t>7/30/18</a:t>
             </a:fld>
             <a:endParaRPr lang="en-US"/>
           </a:p>
@@ -8776,7 +8776,7 @@
           <a:p>
             <a:fld id="{72D977D9-6BC0-8348-8A91-9DB657880F1D}" type="datetimeFigureOut">
               <a:rPr lang="en-US" smtClean="0"/>
-              <a:t>7/26/18</a:t>
+              <a:t>7/30/18</a:t>
             </a:fld>
             <a:endParaRPr lang="en-US"/>
           </a:p>
@@ -12967,7 +12967,11 @@
             </a:r>
             <a:r>
               <a:rPr lang="en-US" dirty="0" smtClean="0"/>
-              <a:t> MTKDAB</a:t>
+              <a:t> </a:t>
+            </a:r>
+            <a:r>
+              <a:rPr lang="en-US" dirty="0"/>
+              <a:t>YGQWPY</a:t>
             </a:r>
             <a:endParaRPr lang="en-US" dirty="0"/>
           </a:p>
@@ -13004,7 +13008,11 @@
             </a:r>
             <a:r>
               <a:rPr lang="en-US" dirty="0" smtClean="0"/>
-              <a:t> HLFCEY</a:t>
+              <a:t> </a:t>
+            </a:r>
+            <a:r>
+              <a:rPr lang="en-US" dirty="0"/>
+              <a:t>YLVGA</a:t>
             </a:r>
             <a:endParaRPr lang="en-US" dirty="0"/>
           </a:p>
@@ -13054,8 +13062,13 @@
             </a:r>
             <a:r>
               <a:rPr lang="en-US" dirty="0" smtClean="0"/>
-              <a:t> YTWSHTA</a:t>
-            </a:r>
+              <a:t> </a:t>
+            </a:r>
+            <a:r>
+              <a:rPr lang="en-US" dirty="0"/>
+              <a:t>UMHX</a:t>
+            </a:r>
+            <a:endParaRPr lang="en-US" dirty="0" smtClean="0"/>
           </a:p>
           <a:p>
             <a:pPr marL="114300" indent="0">
